--- a/UML/界面原型-G16.pptx
+++ b/UML/界面原型-G16.pptx
@@ -6,18 +6,19 @@
   </p:sldMasterIdLst>
   <p:sldIdLst>
     <p:sldId id="256" r:id="rId2"/>
-    <p:sldId id="257" r:id="rId3"/>
-    <p:sldId id="267" r:id="rId4"/>
-    <p:sldId id="259" r:id="rId5"/>
-    <p:sldId id="258" r:id="rId6"/>
-    <p:sldId id="260" r:id="rId7"/>
-    <p:sldId id="261" r:id="rId8"/>
-    <p:sldId id="262" r:id="rId9"/>
-    <p:sldId id="263" r:id="rId10"/>
-    <p:sldId id="264" r:id="rId11"/>
-    <p:sldId id="265" r:id="rId12"/>
-    <p:sldId id="266" r:id="rId13"/>
-    <p:sldId id="268" r:id="rId14"/>
+    <p:sldId id="268" r:id="rId3"/>
+    <p:sldId id="269" r:id="rId4"/>
+    <p:sldId id="257" r:id="rId5"/>
+    <p:sldId id="267" r:id="rId6"/>
+    <p:sldId id="259" r:id="rId7"/>
+    <p:sldId id="258" r:id="rId8"/>
+    <p:sldId id="260" r:id="rId9"/>
+    <p:sldId id="261" r:id="rId10"/>
+    <p:sldId id="262" r:id="rId11"/>
+    <p:sldId id="263" r:id="rId12"/>
+    <p:sldId id="264" r:id="rId13"/>
+    <p:sldId id="265" r:id="rId14"/>
+    <p:sldId id="266" r:id="rId15"/>
   </p:sldIdLst>
   <p:sldSz cx="9144000" cy="6858000" type="screen4x3"/>
   <p:notesSz cx="6858000" cy="9144000"/>
@@ -116,22 +117,6 @@
       </a:defRPr>
     </a:lvl9pPr>
   </p:defaultTextStyle>
-  <p:extLst>
-    <p:ext uri="{EFAFB233-063F-42B5-8137-9DF3F51BA10A}">
-      <p15:sldGuideLst xmlns:p15="http://schemas.microsoft.com/office/powerpoint/2012/main">
-        <p15:guide id="1" orient="horz" pos="2160">
-          <p15:clr>
-            <a:srgbClr val="A4A3A4"/>
-          </p15:clr>
-        </p15:guide>
-        <p15:guide id="2" pos="2880">
-          <p15:clr>
-            <a:srgbClr val="A4A3A4"/>
-          </p15:clr>
-        </p15:guide>
-      </p15:sldGuideLst>
-    </p:ext>
-  </p:extLst>
 </p:presentation>
 </file>
 
@@ -343,7 +328,7 @@
             <a:fld id="{530820CF-B880-4189-942D-D702A7CBA730}" type="datetimeFigureOut">
               <a:rPr lang="zh-CN" altLang="en-US" smtClean="0"/>
               <a:pPr/>
-              <a:t>2016-10-30</a:t>
+              <a:t>2016-11-02</a:t>
             </a:fld>
             <a:endParaRPr lang="zh-CN" altLang="en-US"/>
           </a:p>
@@ -542,7 +527,7 @@
             <a:fld id="{530820CF-B880-4189-942D-D702A7CBA730}" type="datetimeFigureOut">
               <a:rPr lang="zh-CN" altLang="en-US" smtClean="0"/>
               <a:pPr/>
-              <a:t>2016-10-30</a:t>
+              <a:t>2016-11-02</a:t>
             </a:fld>
             <a:endParaRPr lang="zh-CN" altLang="en-US"/>
           </a:p>
@@ -735,7 +720,7 @@
             <a:fld id="{530820CF-B880-4189-942D-D702A7CBA730}" type="datetimeFigureOut">
               <a:rPr lang="zh-CN" altLang="en-US" smtClean="0"/>
               <a:pPr/>
-              <a:t>2016-10-30</a:t>
+              <a:t>2016-11-02</a:t>
             </a:fld>
             <a:endParaRPr lang="zh-CN" altLang="en-US"/>
           </a:p>
@@ -969,7 +954,7 @@
             <a:fld id="{530820CF-B880-4189-942D-D702A7CBA730}" type="datetimeFigureOut">
               <a:rPr lang="zh-CN" altLang="en-US" smtClean="0"/>
               <a:pPr/>
-              <a:t>2016-10-30</a:t>
+              <a:t>2016-11-02</a:t>
             </a:fld>
             <a:endParaRPr lang="zh-CN" altLang="en-US"/>
           </a:p>
@@ -1255,7 +1240,7 @@
             <a:fld id="{530820CF-B880-4189-942D-D702A7CBA730}" type="datetimeFigureOut">
               <a:rPr lang="zh-CN" altLang="en-US" smtClean="0"/>
               <a:pPr/>
-              <a:t>2016-10-30</a:t>
+              <a:t>2016-11-02</a:t>
             </a:fld>
             <a:endParaRPr lang="zh-CN" altLang="en-US"/>
           </a:p>
@@ -1548,7 +1533,7 @@
             <a:fld id="{530820CF-B880-4189-942D-D702A7CBA730}" type="datetimeFigureOut">
               <a:rPr lang="zh-CN" altLang="en-US" smtClean="0"/>
               <a:pPr/>
-              <a:t>2016-10-30</a:t>
+              <a:t>2016-11-02</a:t>
             </a:fld>
             <a:endParaRPr lang="zh-CN" altLang="en-US"/>
           </a:p>
@@ -2107,7 +2092,7 @@
             <a:fld id="{530820CF-B880-4189-942D-D702A7CBA730}" type="datetimeFigureOut">
               <a:rPr lang="zh-CN" altLang="en-US" smtClean="0"/>
               <a:pPr/>
-              <a:t>2016-10-30</a:t>
+              <a:t>2016-11-02</a:t>
             </a:fld>
             <a:endParaRPr lang="zh-CN" altLang="en-US"/>
           </a:p>
@@ -2243,7 +2228,7 @@
             <a:fld id="{530820CF-B880-4189-942D-D702A7CBA730}" type="datetimeFigureOut">
               <a:rPr lang="zh-CN" altLang="en-US" smtClean="0"/>
               <a:pPr/>
-              <a:t>2016-10-30</a:t>
+              <a:t>2016-11-02</a:t>
             </a:fld>
             <a:endParaRPr lang="zh-CN" altLang="en-US"/>
           </a:p>
@@ -2398,7 +2383,7 @@
             <a:fld id="{530820CF-B880-4189-942D-D702A7CBA730}" type="datetimeFigureOut">
               <a:rPr lang="zh-CN" altLang="en-US" smtClean="0"/>
               <a:pPr/>
-              <a:t>2016-10-30</a:t>
+              <a:t>2016-11-02</a:t>
             </a:fld>
             <a:endParaRPr lang="zh-CN" altLang="en-US"/>
           </a:p>
@@ -2724,7 +2709,7 @@
             <a:fld id="{530820CF-B880-4189-942D-D702A7CBA730}" type="datetimeFigureOut">
               <a:rPr lang="zh-CN" altLang="en-US" smtClean="0"/>
               <a:pPr/>
-              <a:t>2016-10-30</a:t>
+              <a:t>2016-11-02</a:t>
             </a:fld>
             <a:endParaRPr lang="zh-CN" altLang="en-US"/>
           </a:p>
@@ -3026,7 +3011,7 @@
             <a:fld id="{530820CF-B880-4189-942D-D702A7CBA730}" type="datetimeFigureOut">
               <a:rPr lang="zh-CN" altLang="en-US" smtClean="0"/>
               <a:pPr/>
-              <a:t>2016-10-30</a:t>
+              <a:t>2016-11-02</a:t>
             </a:fld>
             <a:endParaRPr lang="zh-CN" altLang="en-US"/>
           </a:p>
@@ -3276,7 +3261,7 @@
             <a:fld id="{530820CF-B880-4189-942D-D702A7CBA730}" type="datetimeFigureOut">
               <a:rPr lang="zh-CN" altLang="en-US" smtClean="0"/>
               <a:pPr/>
-              <a:t>2016-10-30</a:t>
+              <a:t>2016-11-02</a:t>
             </a:fld>
             <a:endParaRPr lang="zh-CN" altLang="en-US"/>
           </a:p>
@@ -3786,7 +3771,7 @@
           <a:lstStyle/>
           <a:p>
             <a:r>
-              <a:rPr lang="zh-CN" altLang="en-US" dirty="0" smtClean="0"/>
+              <a:rPr lang="zh-CN" altLang="en-US" sz="7200" dirty="0" smtClean="0"/>
               <a:t>界面原型</a:t>
             </a:r>
             <a:r>
@@ -3796,10 +3781,6 @@
             <a:br>
               <a:rPr lang="en-US" altLang="zh-CN" dirty="0" smtClean="0"/>
             </a:br>
-            <a:r>
-              <a:rPr lang="en-US" altLang="zh-CN" dirty="0" smtClean="0"/>
-              <a:t>	——AxureRP8</a:t>
-            </a:r>
             <a:endParaRPr lang="zh-CN" altLang="en-US" dirty="0"/>
           </a:p>
         </p:txBody>
@@ -3883,6 +3864,239 @@
             </a:r>
             <a:r>
               <a:rPr lang="zh-CN" altLang="en-US" dirty="0" smtClean="0"/>
+              <a:t>界面</a:t>
+            </a:r>
+            <a:endParaRPr lang="zh-CN" altLang="en-US" dirty="0"/>
+          </a:p>
+        </p:txBody>
+      </p:sp>
+      <p:sp>
+        <p:nvSpPr>
+          <p:cNvPr id="3" name="内容占位符 2"/>
+          <p:cNvSpPr>
+            <a:spLocks noGrp="1"/>
+          </p:cNvSpPr>
+          <p:nvPr>
+            <p:ph idx="1"/>
+          </p:nvPr>
+        </p:nvSpPr>
+        <p:spPr/>
+        <p:txBody>
+          <a:bodyPr/>
+          <a:lstStyle/>
+          <a:p>
+            <a:pPr marL="514350" indent="-514350">
+              <a:buFont typeface="+mj-lt"/>
+              <a:buAutoNum type="arabicPeriod" startAt="7"/>
+            </a:pPr>
+            <a:r>
+              <a:rPr lang="zh-CN" altLang="en-US" dirty="0" smtClean="0"/>
+              <a:t>控件属性栏：每个控件的属性设置栏</a:t>
+            </a:r>
+            <a:r>
+              <a:rPr lang="en-US" altLang="zh-CN" dirty="0" smtClean="0"/>
+              <a:t>,</a:t>
+            </a:r>
+            <a:r>
+              <a:rPr lang="zh-CN" altLang="en-US" dirty="0" smtClean="0"/>
+              <a:t>包括三项：</a:t>
+            </a:r>
+            <a:r>
+              <a:rPr lang="en-US" altLang="zh-CN" dirty="0" smtClean="0"/>
+              <a:t>A:</a:t>
+            </a:r>
+            <a:r>
+              <a:rPr lang="zh-CN" altLang="en-US" dirty="0" smtClean="0"/>
+              <a:t>控件说明</a:t>
+            </a:r>
+            <a:r>
+              <a:rPr lang="en-US" altLang="zh-CN" dirty="0" smtClean="0"/>
+              <a:t>B: </a:t>
+            </a:r>
+            <a:r>
+              <a:rPr lang="zh-CN" altLang="en-US" dirty="0" smtClean="0"/>
+              <a:t>事件设置 </a:t>
+            </a:r>
+            <a:r>
+              <a:rPr lang="en-US" altLang="zh-CN" dirty="0" smtClean="0"/>
+              <a:t>C</a:t>
+            </a:r>
+            <a:r>
+              <a:rPr lang="zh-CN" altLang="en-US" dirty="0" smtClean="0"/>
+              <a:t>控件属性：包括位置、字体、对齐、分组。</a:t>
+            </a:r>
+            <a:endParaRPr lang="en-US" altLang="zh-CN" dirty="0" smtClean="0"/>
+          </a:p>
+          <a:p>
+            <a:pPr marL="514350" indent="-514350">
+              <a:buFont typeface="+mj-lt"/>
+              <a:buAutoNum type="arabicPeriod" startAt="7"/>
+            </a:pPr>
+            <a:r>
+              <a:rPr lang="zh-CN" altLang="en-US" dirty="0" smtClean="0"/>
+              <a:t>母板栏：在整个系统界面的设计中，有一些内容可能会在多个页面中重复出现，这时我们就可以把页面做成模版使用</a:t>
+            </a:r>
+            <a:endParaRPr lang="en-US" altLang="zh-CN" dirty="0" smtClean="0"/>
+          </a:p>
+          <a:p>
+            <a:pPr marL="514350" indent="-514350">
+              <a:buFont typeface="+mj-lt"/>
+              <a:buAutoNum type="arabicPeriod" startAt="7"/>
+            </a:pPr>
+            <a:endParaRPr lang="zh-CN" altLang="en-US" dirty="0"/>
+          </a:p>
+        </p:txBody>
+      </p:sp>
+    </p:spTree>
+  </p:cSld>
+  <p:clrMapOvr>
+    <a:masterClrMapping/>
+  </p:clrMapOvr>
+  <p:transition>
+    <p:fade thruBlk="1"/>
+  </p:transition>
+  <p:timing>
+    <p:tnLst>
+      <p:par>
+        <p:cTn id="1" dur="indefinite" restart="never" nodeType="tmRoot"/>
+      </p:par>
+    </p:tnLst>
+  </p:timing>
+</p:sld>
+</file>
+
+<file path=ppt/slides/slide11.xml><?xml version="1.0" encoding="utf-8"?>
+<p:sld xmlns:a="http://schemas.openxmlformats.org/drawingml/2006/main" xmlns:r="http://schemas.openxmlformats.org/officeDocument/2006/relationships" xmlns:p="http://schemas.openxmlformats.org/presentationml/2006/main">
+  <p:cSld>
+    <p:spTree>
+      <p:nvGrpSpPr>
+        <p:cNvPr id="1" name=""/>
+        <p:cNvGrpSpPr/>
+        <p:nvPr/>
+      </p:nvGrpSpPr>
+      <p:grpSpPr>
+        <a:xfrm>
+          <a:off x="0" y="0"/>
+          <a:ext cx="0" cy="0"/>
+          <a:chOff x="0" y="0"/>
+          <a:chExt cx="0" cy="0"/>
+        </a:xfrm>
+      </p:grpSpPr>
+      <p:sp>
+        <p:nvSpPr>
+          <p:cNvPr id="2" name="标题 1"/>
+          <p:cNvSpPr>
+            <a:spLocks noGrp="1"/>
+          </p:cNvSpPr>
+          <p:nvPr>
+            <p:ph type="title"/>
+          </p:nvPr>
+        </p:nvSpPr>
+        <p:spPr/>
+        <p:txBody>
+          <a:bodyPr/>
+          <a:lstStyle/>
+          <a:p>
+            <a:r>
+              <a:rPr lang="en-US" altLang="zh-CN" dirty="0" smtClean="0"/>
+              <a:t>AxureRP8</a:t>
+            </a:r>
+            <a:r>
+              <a:rPr lang="zh-CN" altLang="en-US" dirty="0" smtClean="0"/>
+              <a:t>简易使用</a:t>
+            </a:r>
+            <a:endParaRPr lang="zh-CN" altLang="en-US" dirty="0"/>
+          </a:p>
+        </p:txBody>
+      </p:sp>
+      <p:pic>
+        <p:nvPicPr>
+          <p:cNvPr id="17412" name="Picture 4"/>
+          <p:cNvPicPr>
+            <a:picLocks noChangeAspect="1" noChangeArrowheads="1"/>
+          </p:cNvPicPr>
+          <p:nvPr/>
+        </p:nvPicPr>
+        <p:blipFill>
+          <a:blip r:embed="rId2" cstate="print"/>
+          <a:srcRect/>
+          <a:stretch>
+            <a:fillRect/>
+          </a:stretch>
+        </p:blipFill>
+        <p:spPr bwMode="auto">
+          <a:xfrm>
+            <a:off x="467544" y="1340768"/>
+            <a:ext cx="8174205" cy="4320480"/>
+          </a:xfrm>
+          <a:prstGeom prst="rect">
+            <a:avLst/>
+          </a:prstGeom>
+          <a:noFill/>
+          <a:ln w="9525">
+            <a:noFill/>
+            <a:miter lim="800000"/>
+            <a:headEnd/>
+            <a:tailEnd/>
+          </a:ln>
+        </p:spPr>
+      </p:pic>
+    </p:spTree>
+  </p:cSld>
+  <p:clrMapOvr>
+    <a:masterClrMapping/>
+  </p:clrMapOvr>
+  <p:transition>
+    <p:fade thruBlk="1"/>
+  </p:transition>
+  <p:timing>
+    <p:tnLst>
+      <p:par>
+        <p:cTn id="1" dur="indefinite" restart="never" nodeType="tmRoot"/>
+      </p:par>
+    </p:tnLst>
+  </p:timing>
+</p:sld>
+</file>
+
+<file path=ppt/slides/slide12.xml><?xml version="1.0" encoding="utf-8"?>
+<p:sld xmlns:a="http://schemas.openxmlformats.org/drawingml/2006/main" xmlns:r="http://schemas.openxmlformats.org/officeDocument/2006/relationships" xmlns:p="http://schemas.openxmlformats.org/presentationml/2006/main">
+  <p:cSld>
+    <p:spTree>
+      <p:nvGrpSpPr>
+        <p:cNvPr id="1" name=""/>
+        <p:cNvGrpSpPr/>
+        <p:nvPr/>
+      </p:nvGrpSpPr>
+      <p:grpSpPr>
+        <a:xfrm>
+          <a:off x="0" y="0"/>
+          <a:ext cx="0" cy="0"/>
+          <a:chOff x="0" y="0"/>
+          <a:chExt cx="0" cy="0"/>
+        </a:xfrm>
+      </p:grpSpPr>
+      <p:sp>
+        <p:nvSpPr>
+          <p:cNvPr id="2" name="标题 1"/>
+          <p:cNvSpPr>
+            <a:spLocks noGrp="1"/>
+          </p:cNvSpPr>
+          <p:nvPr>
+            <p:ph type="title"/>
+          </p:nvPr>
+        </p:nvSpPr>
+        <p:spPr/>
+        <p:txBody>
+          <a:bodyPr/>
+          <a:lstStyle/>
+          <a:p>
+            <a:r>
+              <a:rPr lang="en-US" altLang="zh-CN" dirty="0" smtClean="0"/>
+              <a:t>AxureRP8</a:t>
+            </a:r>
+            <a:r>
+              <a:rPr lang="zh-CN" altLang="en-US" dirty="0" smtClean="0"/>
               <a:t>简易使用</a:t>
             </a:r>
             <a:endParaRPr lang="zh-CN" altLang="en-US" dirty="0"/>
@@ -3906,7 +4120,7 @@
         </p:blipFill>
         <p:spPr bwMode="auto">
           <a:xfrm>
-            <a:off x="899592" y="1844824"/>
+            <a:off x="1187624" y="1556792"/>
             <a:ext cx="6991122" cy="3763640"/>
           </a:xfrm>
           <a:prstGeom prst="rect">
@@ -3938,7 +4152,7 @@
         </p:blipFill>
         <p:spPr bwMode="auto">
           <a:xfrm>
-            <a:off x="395536" y="1628800"/>
+            <a:off x="467544" y="1628800"/>
             <a:ext cx="8244408" cy="4029285"/>
           </a:xfrm>
           <a:prstGeom prst="rect">
@@ -3995,6 +4209,59 @@
                                           </p:stCondLst>
                                         </p:cTn>
                                         <p:tgtEl>
+                                          <p:spTgt spid="18434"/>
+                                        </p:tgtEl>
+                                        <p:attrNameLst>
+                                          <p:attrName>style.visibility</p:attrName>
+                                        </p:attrNameLst>
+                                      </p:cBhvr>
+                                      <p:to>
+                                        <p:strVal val="visible"/>
+                                      </p:to>
+                                    </p:set>
+                                    <p:animEffect transition="in" filter="fade">
+                                      <p:cBhvr>
+                                        <p:cTn id="7" dur="500"/>
+                                        <p:tgtEl>
+                                          <p:spTgt spid="18434"/>
+                                        </p:tgtEl>
+                                      </p:cBhvr>
+                                    </p:animEffect>
+                                  </p:childTnLst>
+                                </p:cTn>
+                              </p:par>
+                            </p:childTnLst>
+                          </p:cTn>
+                        </p:par>
+                      </p:childTnLst>
+                    </p:cTn>
+                  </p:par>
+                  <p:par>
+                    <p:cTn id="8" fill="hold">
+                      <p:stCondLst>
+                        <p:cond delay="indefinite"/>
+                      </p:stCondLst>
+                      <p:childTnLst>
+                        <p:par>
+                          <p:cTn id="9" fill="hold">
+                            <p:stCondLst>
+                              <p:cond delay="0"/>
+                            </p:stCondLst>
+                            <p:childTnLst>
+                              <p:par>
+                                <p:cTn id="10" presetID="10" presetClass="entr" presetSubtype="0" fill="hold" nodeType="clickEffect">
+                                  <p:stCondLst>
+                                    <p:cond delay="0"/>
+                                  </p:stCondLst>
+                                  <p:childTnLst>
+                                    <p:set>
+                                      <p:cBhvr>
+                                        <p:cTn id="11" dur="1" fill="hold">
+                                          <p:stCondLst>
+                                            <p:cond delay="0"/>
+                                          </p:stCondLst>
+                                        </p:cTn>
+                                        <p:tgtEl>
                                           <p:spTgt spid="18435"/>
                                         </p:tgtEl>
                                         <p:attrNameLst>
@@ -4007,7 +4274,7 @@
                                     </p:set>
                                     <p:animEffect transition="in" filter="fade">
                                       <p:cBhvr>
-                                        <p:cTn id="7" dur="500"/>
+                                        <p:cTn id="12" dur="500"/>
                                         <p:tgtEl>
                                           <p:spTgt spid="18435"/>
                                         </p:tgtEl>
@@ -4047,7 +4314,7 @@
 </p:sld>
 </file>
 
-<file path=ppt/slides/slide11.xml><?xml version="1.0" encoding="utf-8"?>
+<file path=ppt/slides/slide13.xml><?xml version="1.0" encoding="utf-8"?>
 <p:sld xmlns:a="http://schemas.openxmlformats.org/drawingml/2006/main" xmlns:r="http://schemas.openxmlformats.org/officeDocument/2006/relationships" xmlns:p="http://schemas.openxmlformats.org/presentationml/2006/main">
   <p:cSld>
     <p:spTree>
@@ -4166,14 +4433,143 @@
   <p:timing>
     <p:tnLst>
       <p:par>
-        <p:cTn id="1" dur="indefinite" restart="never" nodeType="tmRoot"/>
+        <p:cTn id="1" dur="indefinite" restart="never" nodeType="tmRoot">
+          <p:childTnLst>
+            <p:seq concurrent="1" nextAc="seek">
+              <p:cTn id="2" dur="indefinite" nodeType="mainSeq">
+                <p:childTnLst>
+                  <p:par>
+                    <p:cTn id="3" fill="hold">
+                      <p:stCondLst>
+                        <p:cond delay="indefinite"/>
+                      </p:stCondLst>
+                      <p:childTnLst>
+                        <p:par>
+                          <p:cTn id="4" fill="hold">
+                            <p:stCondLst>
+                              <p:cond delay="0"/>
+                            </p:stCondLst>
+                            <p:childTnLst>
+                              <p:par>
+                                <p:cTn id="5" presetID="10" presetClass="entr" presetSubtype="0" fill="hold" nodeType="clickEffect">
+                                  <p:stCondLst>
+                                    <p:cond delay="0"/>
+                                  </p:stCondLst>
+                                  <p:childTnLst>
+                                    <p:set>
+                                      <p:cBhvr>
+                                        <p:cTn id="6" dur="1" fill="hold">
+                                          <p:stCondLst>
+                                            <p:cond delay="0"/>
+                                          </p:stCondLst>
+                                        </p:cTn>
+                                        <p:tgtEl>
+                                          <p:spTgt spid="19458"/>
+                                        </p:tgtEl>
+                                        <p:attrNameLst>
+                                          <p:attrName>style.visibility</p:attrName>
+                                        </p:attrNameLst>
+                                      </p:cBhvr>
+                                      <p:to>
+                                        <p:strVal val="visible"/>
+                                      </p:to>
+                                    </p:set>
+                                    <p:animEffect transition="in" filter="fade">
+                                      <p:cBhvr>
+                                        <p:cTn id="7" dur="500"/>
+                                        <p:tgtEl>
+                                          <p:spTgt spid="19458"/>
+                                        </p:tgtEl>
+                                      </p:cBhvr>
+                                    </p:animEffect>
+                                  </p:childTnLst>
+                                </p:cTn>
+                              </p:par>
+                            </p:childTnLst>
+                          </p:cTn>
+                        </p:par>
+                      </p:childTnLst>
+                    </p:cTn>
+                  </p:par>
+                  <p:par>
+                    <p:cTn id="8" fill="hold">
+                      <p:stCondLst>
+                        <p:cond delay="indefinite"/>
+                      </p:stCondLst>
+                      <p:childTnLst>
+                        <p:par>
+                          <p:cTn id="9" fill="hold">
+                            <p:stCondLst>
+                              <p:cond delay="0"/>
+                            </p:stCondLst>
+                            <p:childTnLst>
+                              <p:par>
+                                <p:cTn id="10" presetID="10" presetClass="entr" presetSubtype="0" fill="hold" nodeType="clickEffect">
+                                  <p:stCondLst>
+                                    <p:cond delay="0"/>
+                                  </p:stCondLst>
+                                  <p:childTnLst>
+                                    <p:set>
+                                      <p:cBhvr>
+                                        <p:cTn id="11" dur="1" fill="hold">
+                                          <p:stCondLst>
+                                            <p:cond delay="0"/>
+                                          </p:stCondLst>
+                                        </p:cTn>
+                                        <p:tgtEl>
+                                          <p:spTgt spid="19459"/>
+                                        </p:tgtEl>
+                                        <p:attrNameLst>
+                                          <p:attrName>style.visibility</p:attrName>
+                                        </p:attrNameLst>
+                                      </p:cBhvr>
+                                      <p:to>
+                                        <p:strVal val="visible"/>
+                                      </p:to>
+                                    </p:set>
+                                    <p:animEffect transition="in" filter="fade">
+                                      <p:cBhvr>
+                                        <p:cTn id="12" dur="500"/>
+                                        <p:tgtEl>
+                                          <p:spTgt spid="19459"/>
+                                        </p:tgtEl>
+                                      </p:cBhvr>
+                                    </p:animEffect>
+                                  </p:childTnLst>
+                                </p:cTn>
+                              </p:par>
+                            </p:childTnLst>
+                          </p:cTn>
+                        </p:par>
+                      </p:childTnLst>
+                    </p:cTn>
+                  </p:par>
+                </p:childTnLst>
+              </p:cTn>
+              <p:prevCondLst>
+                <p:cond evt="onPrev" delay="0">
+                  <p:tgtEl>
+                    <p:sldTgt/>
+                  </p:tgtEl>
+                </p:cond>
+              </p:prevCondLst>
+              <p:nextCondLst>
+                <p:cond evt="onNext" delay="0">
+                  <p:tgtEl>
+                    <p:sldTgt/>
+                  </p:tgtEl>
+                </p:cond>
+              </p:nextCondLst>
+            </p:seq>
+          </p:childTnLst>
+        </p:cTn>
       </p:par>
     </p:tnLst>
   </p:timing>
 </p:sld>
 </file>
 
-<file path=ppt/slides/slide12.xml><?xml version="1.0" encoding="utf-8"?>
+<file path=ppt/slides/slide14.xml><?xml version="1.0" encoding="utf-8"?>
 <p:sld xmlns:a="http://schemas.openxmlformats.org/drawingml/2006/main" xmlns:r="http://schemas.openxmlformats.org/officeDocument/2006/relationships" xmlns:p="http://schemas.openxmlformats.org/presentationml/2006/main">
   <p:cSld>
     <p:spTree>
@@ -4234,7 +4630,7 @@
         </p:blipFill>
         <p:spPr bwMode="auto">
           <a:xfrm>
-            <a:off x="971600" y="1700808"/>
+            <a:off x="881844" y="1637716"/>
             <a:ext cx="7164288" cy="4663922"/>
           </a:xfrm>
           <a:prstGeom prst="rect">
@@ -4266,7 +4662,7 @@
         </p:blipFill>
         <p:spPr bwMode="auto">
           <a:xfrm>
-            <a:off x="323528" y="1340768"/>
+            <a:off x="323528" y="1363240"/>
             <a:ext cx="8280920" cy="4444490"/>
           </a:xfrm>
           <a:prstGeom prst="rect">
@@ -4298,7 +4694,7 @@
         </p:blipFill>
         <p:spPr bwMode="auto">
           <a:xfrm>
-            <a:off x="395536" y="1556792"/>
+            <a:off x="467544" y="1363240"/>
             <a:ext cx="8439150" cy="4860379"/>
           </a:xfrm>
           <a:prstGeom prst="rect">
@@ -4311,6 +4707,70 @@
             <a:headEnd/>
             <a:tailEnd/>
           </a:ln>
+        </p:spPr>
+      </p:pic>
+      <p:pic>
+        <p:nvPicPr>
+          <p:cNvPr id="2050" name="Picture 2"/>
+          <p:cNvPicPr>
+            <a:picLocks noChangeAspect="1" noChangeArrowheads="1"/>
+          </p:cNvPicPr>
+          <p:nvPr/>
+        </p:nvPicPr>
+        <p:blipFill>
+          <a:blip r:embed="rId5">
+            <a:extLst>
+              <a:ext uri="{28A0092B-C50C-407E-A947-70E740481C1C}">
+                <a14:useLocalDpi xmlns:a14="http://schemas.microsoft.com/office/drawing/2010/main" val="0"/>
+              </a:ext>
+            </a:extLst>
+          </a:blip>
+          <a:srcRect/>
+          <a:stretch>
+            <a:fillRect/>
+          </a:stretch>
+        </p:blipFill>
+        <p:spPr bwMode="auto">
+          <a:xfrm>
+            <a:off x="2106613" y="1619250"/>
+            <a:ext cx="4930775" cy="3619500"/>
+          </a:xfrm>
+          <a:prstGeom prst="rect">
+            <a:avLst/>
+          </a:prstGeom>
+          <a:noFill/>
+          <a:ln>
+            <a:noFill/>
+          </a:ln>
+          <a:effectLst/>
+          <a:extLst>
+            <a:ext uri="{909E8E84-426E-40DD-AFC4-6F175D3DCCD1}">
+              <a14:hiddenFill xmlns:a14="http://schemas.microsoft.com/office/drawing/2010/main">
+                <a:solidFill>
+                  <a:schemeClr val="accent1"/>
+                </a:solidFill>
+              </a14:hiddenFill>
+            </a:ext>
+            <a:ext uri="{91240B29-F687-4F45-9708-019B960494DF}">
+              <a14:hiddenLine xmlns:a14="http://schemas.microsoft.com/office/drawing/2010/main" w="9525">
+                <a:solidFill>
+                  <a:schemeClr val="tx1"/>
+                </a:solidFill>
+                <a:miter lim="800000"/>
+                <a:headEnd/>
+                <a:tailEnd/>
+              </a14:hiddenLine>
+            </a:ext>
+            <a:ext uri="{AF507438-7753-43E0-B8FC-AC1667EBCBE1}">
+              <a14:hiddenEffects xmlns:a14="http://schemas.microsoft.com/office/drawing/2010/main">
+                <a:effectLst>
+                  <a:outerShdw dist="35921" dir="2700000" algn="ctr" rotWithShape="0">
+                    <a:schemeClr val="bg2"/>
+                  </a:outerShdw>
+                </a:effectLst>
+              </a14:hiddenEffects>
+            </a:ext>
+          </a:extLst>
         </p:spPr>
       </p:pic>
     </p:spTree>
@@ -4355,7 +4815,7 @@
                                           </p:stCondLst>
                                         </p:cTn>
                                         <p:tgtEl>
-                                          <p:spTgt spid="20483"/>
+                                          <p:spTgt spid="20482"/>
                                         </p:tgtEl>
                                         <p:attrNameLst>
                                           <p:attrName>style.visibility</p:attrName>
@@ -4369,7 +4829,7 @@
                                       <p:cBhvr>
                                         <p:cTn id="7" dur="500"/>
                                         <p:tgtEl>
-                                          <p:spTgt spid="20483"/>
+                                          <p:spTgt spid="20482"/>
                                         </p:tgtEl>
                                       </p:cBhvr>
                                     </p:animEffect>
@@ -4408,7 +4868,7 @@
                                           </p:stCondLst>
                                         </p:cTn>
                                         <p:tgtEl>
-                                          <p:spTgt spid="20484"/>
+                                          <p:spTgt spid="20483"/>
                                         </p:tgtEl>
                                         <p:attrNameLst>
                                           <p:attrName>style.visibility</p:attrName>
@@ -4422,7 +4882,113 @@
                                       <p:cBhvr>
                                         <p:cTn id="12" dur="500"/>
                                         <p:tgtEl>
+                                          <p:spTgt spid="20483"/>
+                                        </p:tgtEl>
+                                      </p:cBhvr>
+                                    </p:animEffect>
+                                  </p:childTnLst>
+                                </p:cTn>
+                              </p:par>
+                            </p:childTnLst>
+                          </p:cTn>
+                        </p:par>
+                      </p:childTnLst>
+                    </p:cTn>
+                  </p:par>
+                  <p:par>
+                    <p:cTn id="13" fill="hold">
+                      <p:stCondLst>
+                        <p:cond delay="indefinite"/>
+                      </p:stCondLst>
+                      <p:childTnLst>
+                        <p:par>
+                          <p:cTn id="14" fill="hold">
+                            <p:stCondLst>
+                              <p:cond delay="0"/>
+                            </p:stCondLst>
+                            <p:childTnLst>
+                              <p:par>
+                                <p:cTn id="15" presetID="10" presetClass="entr" presetSubtype="0" fill="hold" nodeType="clickEffect">
+                                  <p:stCondLst>
+                                    <p:cond delay="0"/>
+                                  </p:stCondLst>
+                                  <p:childTnLst>
+                                    <p:set>
+                                      <p:cBhvr>
+                                        <p:cTn id="16" dur="1" fill="hold">
+                                          <p:stCondLst>
+                                            <p:cond delay="0"/>
+                                          </p:stCondLst>
+                                        </p:cTn>
+                                        <p:tgtEl>
                                           <p:spTgt spid="20484"/>
+                                        </p:tgtEl>
+                                        <p:attrNameLst>
+                                          <p:attrName>style.visibility</p:attrName>
+                                        </p:attrNameLst>
+                                      </p:cBhvr>
+                                      <p:to>
+                                        <p:strVal val="visible"/>
+                                      </p:to>
+                                    </p:set>
+                                    <p:animEffect transition="in" filter="fade">
+                                      <p:cBhvr>
+                                        <p:cTn id="17" dur="500"/>
+                                        <p:tgtEl>
+                                          <p:spTgt spid="20484"/>
+                                        </p:tgtEl>
+                                      </p:cBhvr>
+                                    </p:animEffect>
+                                  </p:childTnLst>
+                                </p:cTn>
+                              </p:par>
+                            </p:childTnLst>
+                          </p:cTn>
+                        </p:par>
+                      </p:childTnLst>
+                    </p:cTn>
+                  </p:par>
+                  <p:par>
+                    <p:cTn id="18" fill="hold">
+                      <p:stCondLst>
+                        <p:cond delay="indefinite"/>
+                      </p:stCondLst>
+                      <p:childTnLst>
+                        <p:par>
+                          <p:cTn id="19" fill="hold">
+                            <p:stCondLst>
+                              <p:cond delay="0"/>
+                            </p:stCondLst>
+                            <p:childTnLst>
+                              <p:par>
+                                <p:cTn id="20" presetID="10" presetClass="entr" presetSubtype="0" fill="hold" nodeType="clickEffect">
+                                  <p:stCondLst>
+                                    <p:cond delay="0"/>
+                                  </p:stCondLst>
+                                  <p:childTnLst>
+                                    <p:set>
+                                      <p:cBhvr>
+                                        <p:cTn id="21" dur="1" fill="hold">
+                                          <p:stCondLst>
+                                            <p:cond delay="0"/>
+                                          </p:stCondLst>
+                                        </p:cTn>
+                                        <p:tgtEl>
+                                          <p:spTgt spid="2050"/>
+                                        </p:tgtEl>
+                                        <p:attrNameLst>
+                                          <p:attrName>style.visibility</p:attrName>
+                                        </p:attrNameLst>
+                                      </p:cBhvr>
+                                      <p:to>
+                                        <p:strVal val="visible"/>
+                                      </p:to>
+                                    </p:set>
+                                    <p:animEffect transition="in" filter="fade">
+                                      <p:cBhvr>
+                                        <p:cTn id="22" dur="500"/>
+                                        <p:tgtEl>
+                                          <p:spTgt spid="2050"/>
                                         </p:tgtEl>
                                       </p:cBhvr>
                                     </p:animEffect>
@@ -4460,165 +5026,6 @@
 </p:sld>
 </file>
 
-<file path=ppt/slides/slide13.xml><?xml version="1.0" encoding="utf-8"?>
-<p:sld xmlns:a="http://schemas.openxmlformats.org/drawingml/2006/main" xmlns:r="http://schemas.openxmlformats.org/officeDocument/2006/relationships" xmlns:p="http://schemas.openxmlformats.org/presentationml/2006/main">
-  <p:cSld>
-    <p:spTree>
-      <p:nvGrpSpPr>
-        <p:cNvPr id="1" name=""/>
-        <p:cNvGrpSpPr/>
-        <p:nvPr/>
-      </p:nvGrpSpPr>
-      <p:grpSpPr>
-        <a:xfrm>
-          <a:off x="0" y="0"/>
-          <a:ext cx="0" cy="0"/>
-          <a:chOff x="0" y="0"/>
-          <a:chExt cx="0" cy="0"/>
-        </a:xfrm>
-      </p:grpSpPr>
-      <p:sp>
-        <p:nvSpPr>
-          <p:cNvPr id="4" name="标题 1"/>
-          <p:cNvSpPr>
-            <a:spLocks noGrp="1"/>
-          </p:cNvSpPr>
-          <p:nvPr>
-            <p:ph type="title"/>
-          </p:nvPr>
-        </p:nvSpPr>
-        <p:spPr>
-          <a:xfrm>
-            <a:off x="-324544" y="188640"/>
-            <a:ext cx="8229600" cy="1143000"/>
-          </a:xfrm>
-        </p:spPr>
-        <p:txBody>
-          <a:bodyPr/>
-          <a:lstStyle/>
-          <a:p>
-            <a:r>
-              <a:rPr lang="zh-CN" altLang="en-US" dirty="0" smtClean="0"/>
-              <a:t>分工</a:t>
-            </a:r>
-            <a:endParaRPr lang="zh-CN" altLang="en-US" dirty="0"/>
-          </a:p>
-        </p:txBody>
-      </p:sp>
-      <p:sp>
-        <p:nvSpPr>
-          <p:cNvPr id="5" name="标题 1"/>
-          <p:cNvSpPr txBox="1">
-            <a:spLocks/>
-          </p:cNvSpPr>
-          <p:nvPr/>
-        </p:nvSpPr>
-        <p:spPr>
-          <a:xfrm>
-            <a:off x="683568" y="2924944"/>
-            <a:ext cx="8229600" cy="1143000"/>
-          </a:xfrm>
-          <a:prstGeom prst="rect">
-            <a:avLst/>
-          </a:prstGeom>
-        </p:spPr>
-        <p:txBody>
-          <a:bodyPr rIns="91440" anchor="b">
-            <a:noAutofit/>
-            <a:scene3d>
-              <a:camera prst="orthographicFront"/>
-              <a:lightRig rig="soft" dir="t">
-                <a:rot lat="0" lon="0" rev="2400000"/>
-              </a:lightRig>
-            </a:scene3d>
-            <a:sp3d>
-              <a:bevelT w="19050" h="12700"/>
-            </a:sp3d>
-          </a:bodyPr>
-          <a:lstStyle>
-            <a:lvl1pPr marL="54864" algn="r" rtl="0" eaLnBrk="1" latinLnBrk="0" hangingPunct="1">
-              <a:spcBef>
-                <a:spcPct val="0"/>
-              </a:spcBef>
-              <a:buNone/>
-              <a:defRPr kumimoji="0" sz="4600" kern="1200">
-                <a:solidFill>
-                  <a:schemeClr val="tx2">
-                    <a:tint val="100000"/>
-                    <a:shade val="90000"/>
-                    <a:satMod val="250000"/>
-                    <a:alpha val="100000"/>
-                  </a:schemeClr>
-                </a:solidFill>
-                <a:effectLst>
-                  <a:outerShdw blurRad="38100" dist="25500" dir="5400000" algn="tl" rotWithShape="0">
-                    <a:srgbClr val="000000">
-                      <a:satMod val="180000"/>
-                      <a:alpha val="75000"/>
-                    </a:srgbClr>
-                  </a:outerShdw>
-                </a:effectLst>
-                <a:latin typeface="+mj-lt"/>
-                <a:ea typeface="+mj-ea"/>
-                <a:cs typeface="+mj-cs"/>
-              </a:defRPr>
-            </a:lvl1pPr>
-            <a:extLst/>
-          </a:lstStyle>
-          <a:p>
-            <a:pPr algn="l"/>
-            <a:r>
-              <a:rPr lang="en-US" altLang="zh-CN" sz="3600" dirty="0" smtClean="0"/>
-              <a:t>PPT</a:t>
-            </a:r>
-            <a:r>
-              <a:rPr lang="zh-CN" altLang="en-US" sz="3600" dirty="0" smtClean="0"/>
-              <a:t>制作：唐子煜</a:t>
-            </a:r>
-            <a:endParaRPr lang="en-US" altLang="zh-CN" sz="3600" dirty="0" smtClean="0"/>
-          </a:p>
-          <a:p>
-            <a:pPr algn="l"/>
-            <a:r>
-              <a:rPr lang="zh-CN" altLang="en-US" sz="3600" dirty="0" smtClean="0"/>
-              <a:t>资料收集：丁磊，陈建伟</a:t>
-            </a:r>
-            <a:endParaRPr lang="en-US" altLang="zh-CN" sz="3600" dirty="0" smtClean="0"/>
-          </a:p>
-          <a:p>
-            <a:pPr algn="l"/>
-            <a:r>
-              <a:rPr lang="zh-CN" altLang="en-US" sz="3600" dirty="0" smtClean="0"/>
-              <a:t>审核</a:t>
-            </a:r>
-            <a:r>
-              <a:rPr lang="en-US" altLang="zh-CN" sz="3600" dirty="0" smtClean="0"/>
-              <a:t>:</a:t>
-            </a:r>
-            <a:r>
-              <a:rPr lang="zh-CN" altLang="en-US" sz="3600" dirty="0" smtClean="0"/>
-              <a:t>余敬，张伟鹏</a:t>
-            </a:r>
-            <a:endParaRPr lang="zh-CN" altLang="en-US" sz="3600" dirty="0"/>
-          </a:p>
-        </p:txBody>
-      </p:sp>
-    </p:spTree>
-    <p:extLst>
-      <p:ext uri="{BB962C8B-B14F-4D97-AF65-F5344CB8AC3E}">
-        <p14:creationId xmlns:p14="http://schemas.microsoft.com/office/powerpoint/2010/main" val="2341739968"/>
-      </p:ext>
-    </p:extLst>
-  </p:cSld>
-  <p:clrMapOvr>
-    <a:masterClrMapping/>
-  </p:clrMapOvr>
-  <p:transition>
-    <p:fade thruBlk="1"/>
-  </p:transition>
-</p:sld>
-</file>
-
 <file path=ppt/slides/slide2.xml><?xml version="1.0" encoding="utf-8"?>
 <p:sld xmlns:a="http://schemas.openxmlformats.org/drawingml/2006/main" xmlns:r="http://schemas.openxmlformats.org/officeDocument/2006/relationships" xmlns:p="http://schemas.openxmlformats.org/presentationml/2006/main">
   <p:cSld>
@@ -4648,32 +5055,36 @@
         </p:nvSpPr>
         <p:spPr/>
         <p:txBody>
+          <a:bodyPr>
+            <a:normAutofit/>
+          </a:bodyPr>
+          <a:lstStyle/>
+          <a:p>
+            <a:r>
+              <a:rPr lang="zh-CN" altLang="en-US" sz="4800" dirty="0" smtClean="0"/>
+              <a:t>界面原型</a:t>
+            </a:r>
+            <a:r>
+              <a:rPr lang="zh-CN" altLang="en-US" dirty="0" smtClean="0"/>
+              <a:t>的用处</a:t>
+            </a:r>
+            <a:endParaRPr lang="zh-CN" altLang="en-US" dirty="0"/>
+          </a:p>
+        </p:txBody>
+      </p:sp>
+      <p:sp>
+        <p:nvSpPr>
+          <p:cNvPr id="3" name="内容占位符 2"/>
+          <p:cNvSpPr>
+            <a:spLocks noGrp="1"/>
+          </p:cNvSpPr>
+          <p:nvPr>
+            <p:ph idx="1"/>
+          </p:nvPr>
+        </p:nvSpPr>
+        <p:spPr/>
+        <p:txBody>
           <a:bodyPr/>
-          <a:lstStyle/>
-          <a:p>
-            <a:r>
-              <a:rPr lang="en-US" altLang="zh-CN" dirty="0" smtClean="0"/>
-              <a:t>AxureRP8</a:t>
-            </a:r>
-            <a:endParaRPr lang="zh-CN" altLang="en-US" dirty="0"/>
-          </a:p>
-        </p:txBody>
-      </p:sp>
-      <p:sp>
-        <p:nvSpPr>
-          <p:cNvPr id="3" name="内容占位符 2"/>
-          <p:cNvSpPr>
-            <a:spLocks noGrp="1"/>
-          </p:cNvSpPr>
-          <p:nvPr>
-            <p:ph idx="1"/>
-          </p:nvPr>
-        </p:nvSpPr>
-        <p:spPr/>
-        <p:txBody>
-          <a:bodyPr>
-            <a:normAutofit fontScale="92500" lnSpcReduction="10000"/>
-          </a:bodyPr>
           <a:lstStyle/>
           <a:p>
             <a:pPr>
@@ -4681,93 +5092,11 @@
             </a:pPr>
             <a:r>
               <a:rPr lang="en-US" altLang="zh-CN" dirty="0" smtClean="0"/>
-              <a:t>		  </a:t>
-            </a:r>
-            <a:r>
-              <a:rPr lang="en-US" altLang="zh-CN" dirty="0" err="1" smtClean="0"/>
-              <a:t>Axure</a:t>
-            </a:r>
-            <a:r>
-              <a:rPr lang="en-US" altLang="zh-CN" dirty="0" smtClean="0"/>
-              <a:t> RP</a:t>
+              <a:t>		 </a:t>
             </a:r>
             <a:r>
               <a:rPr lang="zh-CN" altLang="en-US" dirty="0" smtClean="0"/>
-              <a:t>是一个专业的快速原型设计工具。</a:t>
-            </a:r>
-            <a:r>
-              <a:rPr lang="en-US" altLang="zh-CN" dirty="0" err="1" smtClean="0"/>
-              <a:t>Axure</a:t>
-            </a:r>
-            <a:r>
-              <a:rPr lang="zh-CN" altLang="en-US" dirty="0" smtClean="0"/>
-              <a:t>代表美国</a:t>
-            </a:r>
-            <a:r>
-              <a:rPr lang="en-US" altLang="zh-CN" dirty="0" err="1" smtClean="0"/>
-              <a:t>Axure</a:t>
-            </a:r>
-            <a:r>
-              <a:rPr lang="zh-CN" altLang="en-US" dirty="0" smtClean="0"/>
-              <a:t>公司；</a:t>
-            </a:r>
-            <a:r>
-              <a:rPr lang="en-US" altLang="zh-CN" dirty="0" smtClean="0"/>
-              <a:t>RP</a:t>
-            </a:r>
-            <a:r>
-              <a:rPr lang="zh-CN" altLang="en-US" dirty="0" smtClean="0"/>
-              <a:t>则是</a:t>
-            </a:r>
-            <a:r>
-              <a:rPr lang="en-US" altLang="zh-CN" dirty="0" smtClean="0"/>
-              <a:t>Rapid Prototyping</a:t>
-            </a:r>
-            <a:r>
-              <a:rPr lang="zh-CN" altLang="en-US" dirty="0" smtClean="0"/>
-              <a:t>（快速原型）的缩写。</a:t>
-            </a:r>
-            <a:endParaRPr lang="en-US" altLang="zh-CN" dirty="0" smtClean="0"/>
-          </a:p>
-          <a:p>
-            <a:pPr>
-              <a:buNone/>
-            </a:pPr>
-            <a:r>
-              <a:rPr lang="en-US" altLang="zh-CN" dirty="0" smtClean="0"/>
-              <a:t>		</a:t>
-            </a:r>
-            <a:r>
-              <a:rPr lang="en-US" altLang="zh-CN" dirty="0" err="1" smtClean="0"/>
-              <a:t>Axure</a:t>
-            </a:r>
-            <a:r>
-              <a:rPr lang="en-US" altLang="zh-CN" dirty="0" smtClean="0"/>
-              <a:t> RP</a:t>
-            </a:r>
-            <a:r>
-              <a:rPr lang="zh-CN" altLang="en-US" dirty="0" smtClean="0"/>
-              <a:t>是美国</a:t>
-            </a:r>
-            <a:r>
-              <a:rPr lang="en-US" altLang="zh-CN" dirty="0" err="1" smtClean="0"/>
-              <a:t>Axure</a:t>
-            </a:r>
-            <a:r>
-              <a:rPr lang="en-US" altLang="zh-CN" dirty="0" smtClean="0"/>
-              <a:t> Software Solution</a:t>
-            </a:r>
-            <a:r>
-              <a:rPr lang="zh-CN" altLang="en-US" dirty="0" smtClean="0"/>
-              <a:t>公司旗舰产品，是一个专业的快速原型设计工具，让负责定义需求和规格、设计功能和界面的专家能够快速创建应用软件或</a:t>
-            </a:r>
-            <a:r>
-              <a:rPr lang="en-US" altLang="zh-CN" dirty="0" smtClean="0"/>
-              <a:t>Web</a:t>
-            </a:r>
-            <a:r>
-              <a:rPr lang="zh-CN" altLang="en-US" dirty="0" smtClean="0"/>
-              <a:t>网站的线框图、流程图、原型和规格说明文档。作为专业的原型设计工具，它能快速、高效的创建原型，同时支持多人协作设计和版本控制管理</a:t>
+              <a:t>在设计界面时，设计师与用户仅通过文字和语言来描述设计的界面可能回比较抽象，指向性也不明确。因此在需求设计阶段，设计师通过界面原型可以更好的与客户沟通，也可以让团队直接减少沟通上的问题</a:t>
             </a:r>
             <a:endParaRPr lang="zh-CN" altLang="en-US" dirty="0"/>
           </a:p>
@@ -4821,50 +5150,15 @@
         <p:spPr/>
         <p:txBody>
           <a:bodyPr>
-            <a:noAutofit/>
+            <a:normAutofit fontScale="90000"/>
           </a:bodyPr>
           <a:lstStyle/>
           <a:p>
             <a:r>
-              <a:rPr lang="zh-CN" altLang="en-US" sz="3200" dirty="0" smtClean="0"/>
-              <a:t>问题：</a:t>
-            </a:r>
-            <a:r>
-              <a:rPr lang="en-US" altLang="zh-CN" sz="3200" dirty="0" smtClean="0"/>
-              <a:t> </a:t>
-            </a:r>
-            <a:r>
-              <a:rPr lang="en-US" altLang="zh-CN" sz="3200" dirty="0" err="1" smtClean="0"/>
-              <a:t>Axure</a:t>
-            </a:r>
-            <a:r>
-              <a:rPr lang="en-US" altLang="zh-CN" sz="3200" dirty="0" smtClean="0"/>
-              <a:t> RP</a:t>
-            </a:r>
-            <a:r>
-              <a:rPr lang="zh-CN" altLang="en-US" sz="3200" dirty="0" smtClean="0"/>
-              <a:t>的</a:t>
-            </a:r>
-            <a:r>
-              <a:rPr lang="en-US" altLang="zh-CN" sz="3200" dirty="0" smtClean="0"/>
-              <a:t>RP</a:t>
-            </a:r>
-            <a:r>
-              <a:rPr lang="zh-CN" altLang="en-US" sz="3200" dirty="0" smtClean="0"/>
-              <a:t>是什么意思？</a:t>
-            </a:r>
-            <a:r>
-              <a:rPr lang="en-US" altLang="zh-CN" sz="3200" dirty="0" smtClean="0"/>
-              <a:t/>
-            </a:r>
-            <a:br>
-              <a:rPr lang="en-US" altLang="zh-CN" sz="3200" dirty="0" smtClean="0"/>
-            </a:br>
-            <a:r>
-              <a:rPr lang="zh-CN" altLang="en-US" sz="3200" dirty="0" smtClean="0"/>
-              <a:t>英语全称是什么？</a:t>
-            </a:r>
-            <a:endParaRPr lang="zh-CN" altLang="en-US" sz="3200" dirty="0"/>
+              <a:rPr lang="zh-CN" altLang="en-US" dirty="0" smtClean="0"/>
+              <a:t>市面上常见的界面原型设计工具</a:t>
+            </a:r>
+            <a:endParaRPr lang="zh-CN" altLang="en-US" dirty="0"/>
           </a:p>
         </p:txBody>
       </p:sp>
@@ -4883,30 +5177,62 @@
           <a:bodyPr/>
           <a:lstStyle/>
           <a:p>
-            <a:pPr>
-              <a:buNone/>
+            <a:pPr marL="514350" indent="-514350">
+              <a:buFont typeface="+mj-lt"/>
+              <a:buAutoNum type="arabicPeriod"/>
             </a:pPr>
             <a:r>
               <a:rPr lang="en-US" altLang="zh-CN" dirty="0" smtClean="0"/>
-              <a:t>	RP</a:t>
-            </a:r>
-            <a:r>
-              <a:rPr lang="zh-CN" altLang="en-US" dirty="0" smtClean="0"/>
-              <a:t>是快速原型的缩写</a:t>
+              <a:t>Solidify</a:t>
+            </a:r>
+          </a:p>
+          <a:p>
+            <a:pPr marL="514350" indent="-514350">
+              <a:buFont typeface="+mj-lt"/>
+              <a:buAutoNum type="arabicPeriod"/>
+            </a:pPr>
+            <a:r>
+              <a:rPr lang="en-US" altLang="zh-CN" dirty="0" err="1" smtClean="0"/>
+              <a:t>DreamWeaver</a:t>
             </a:r>
             <a:endParaRPr lang="en-US" altLang="zh-CN" dirty="0" smtClean="0"/>
           </a:p>
           <a:p>
-            <a:pPr>
-              <a:buNone/>
+            <a:pPr marL="514350" indent="-514350">
+              <a:buFont typeface="+mj-lt"/>
+              <a:buAutoNum type="arabicPeriod"/>
             </a:pPr>
             <a:r>
-              <a:rPr lang="zh-CN" altLang="en-US" dirty="0" smtClean="0"/>
-              <a:t>英语全称：</a:t>
-            </a:r>
-            <a:r>
               <a:rPr lang="en-US" altLang="zh-CN" dirty="0" smtClean="0"/>
-              <a:t> Rapid Prototyping</a:t>
+              <a:t>Pencil </a:t>
+            </a:r>
+          </a:p>
+          <a:p>
+            <a:pPr marL="514350" indent="-514350">
+              <a:buFont typeface="+mj-lt"/>
+              <a:buAutoNum type="arabicPeriod"/>
+            </a:pPr>
+            <a:r>
+              <a:rPr lang="en-US" altLang="zh-CN" dirty="0" smtClean="0"/>
+              <a:t>Framer</a:t>
+            </a:r>
+          </a:p>
+          <a:p>
+            <a:pPr marL="514350" indent="-514350">
+              <a:buFont typeface="+mj-lt"/>
+              <a:buAutoNum type="arabicPeriod"/>
+            </a:pPr>
+            <a:r>
+              <a:rPr lang="en-US" altLang="zh-CN" b="1" dirty="0" err="1" smtClean="0">
+                <a:solidFill>
+                  <a:srgbClr val="FF0000"/>
+                </a:solidFill>
+              </a:rPr>
+              <a:t>AxureRP</a:t>
+            </a:r>
+            <a:r>
+              <a:rPr lang="en-US" altLang="zh-CN" dirty="0" smtClean="0"/>
+              <a:t> </a:t>
             </a:r>
             <a:endParaRPr lang="zh-CN" altLang="en-US" dirty="0"/>
           </a:p>
@@ -4920,6 +5246,13 @@
   <p:transition>
     <p:fade thruBlk="1"/>
   </p:transition>
+  <p:timing>
+    <p:tnLst>
+      <p:par>
+        <p:cTn id="1" dur="indefinite" restart="never" nodeType="tmRoot"/>
+      </p:par>
+    </p:tnLst>
+  </p:timing>
 </p:sld>
 </file>
 
@@ -4952,82 +5285,127 @@
         </p:nvSpPr>
         <p:spPr/>
         <p:txBody>
+          <a:bodyPr/>
+          <a:lstStyle/>
+          <a:p>
+            <a:r>
+              <a:rPr lang="en-US" altLang="zh-CN" dirty="0" smtClean="0"/>
+              <a:t>AxureRP8</a:t>
+            </a:r>
+            <a:endParaRPr lang="zh-CN" altLang="en-US" dirty="0"/>
+          </a:p>
+        </p:txBody>
+      </p:sp>
+      <p:sp>
+        <p:nvSpPr>
+          <p:cNvPr id="3" name="内容占位符 2"/>
+          <p:cNvSpPr>
+            <a:spLocks noGrp="1"/>
+          </p:cNvSpPr>
+          <p:nvPr>
+            <p:ph idx="1"/>
+          </p:nvPr>
+        </p:nvSpPr>
+        <p:spPr/>
+        <p:txBody>
           <a:bodyPr>
-            <a:normAutofit/>
+            <a:normAutofit fontScale="92500" lnSpcReduction="10000"/>
           </a:bodyPr>
           <a:lstStyle/>
           <a:p>
+            <a:pPr>
+              <a:buNone/>
+            </a:pPr>
             <a:r>
               <a:rPr lang="en-US" altLang="zh-CN" dirty="0" smtClean="0"/>
-              <a:t>AxureRP8</a:t>
+              <a:t>		  </a:t>
+            </a:r>
+            <a:r>
+              <a:rPr lang="en-US" altLang="zh-CN" dirty="0" err="1" smtClean="0"/>
+              <a:t>Axure</a:t>
+            </a:r>
+            <a:r>
+              <a:rPr lang="en-US" altLang="zh-CN" dirty="0" smtClean="0"/>
+              <a:t> RP</a:t>
             </a:r>
             <a:r>
               <a:rPr lang="zh-CN" altLang="en-US" dirty="0" smtClean="0"/>
-              <a:t>的好处</a:t>
-            </a:r>
-            <a:endParaRPr lang="zh-CN" altLang="en-US" dirty="0"/>
-          </a:p>
-        </p:txBody>
-      </p:sp>
-      <p:sp>
-        <p:nvSpPr>
-          <p:cNvPr id="3" name="内容占位符 2"/>
-          <p:cNvSpPr>
-            <a:spLocks noGrp="1"/>
-          </p:cNvSpPr>
-          <p:nvPr>
-            <p:ph idx="1"/>
-          </p:nvPr>
-        </p:nvSpPr>
-        <p:spPr/>
-        <p:txBody>
-          <a:bodyPr/>
-          <a:lstStyle/>
-          <a:p>
-            <a:pPr marL="514350" indent="-514350">
-              <a:buFont typeface="+mj-lt"/>
-              <a:buAutoNum type="arabicPeriod"/>
+              <a:t>是一个专业的快速原型设计工具。</a:t>
+            </a:r>
+            <a:r>
+              <a:rPr lang="en-US" altLang="zh-CN" dirty="0" err="1" smtClean="0"/>
+              <a:t>Axure</a:t>
+            </a:r>
+            <a:r>
+              <a:rPr lang="zh-CN" altLang="en-US" dirty="0" smtClean="0"/>
+              <a:t>代表美国</a:t>
+            </a:r>
+            <a:r>
+              <a:rPr lang="en-US" altLang="zh-CN" dirty="0" err="1" smtClean="0"/>
+              <a:t>Axure</a:t>
+            </a:r>
+            <a:r>
+              <a:rPr lang="zh-CN" altLang="en-US" dirty="0" smtClean="0"/>
+              <a:t>公司；</a:t>
+            </a:r>
+            <a:r>
+              <a:rPr lang="en-US" altLang="zh-CN" dirty="0" smtClean="0"/>
+              <a:t>RP</a:t>
+            </a:r>
+            <a:r>
+              <a:rPr lang="zh-CN" altLang="en-US" dirty="0" smtClean="0"/>
+              <a:t>则是</a:t>
+            </a:r>
+            <a:r>
+              <a:rPr lang="en-US" altLang="zh-CN" dirty="0" smtClean="0"/>
+              <a:t>Rapid Prototyping</a:t>
+            </a:r>
+            <a:r>
+              <a:rPr lang="zh-CN" altLang="en-US" dirty="0" smtClean="0"/>
+              <a:t>（快速原型）的缩写。</a:t>
+            </a:r>
+            <a:endParaRPr lang="en-US" altLang="zh-CN" dirty="0" smtClean="0"/>
+          </a:p>
+          <a:p>
+            <a:pPr>
+              <a:buNone/>
             </a:pPr>
             <a:r>
+              <a:rPr lang="en-US" altLang="zh-CN" dirty="0" smtClean="0"/>
+              <a:t>		</a:t>
+            </a:r>
+            <a:r>
+              <a:rPr lang="en-US" altLang="zh-CN" dirty="0" err="1" smtClean="0"/>
+              <a:t>Axure</a:t>
+            </a:r>
+            <a:r>
+              <a:rPr lang="en-US" altLang="zh-CN" dirty="0" smtClean="0"/>
+              <a:t> RP</a:t>
+            </a:r>
+            <a:r>
               <a:rPr lang="zh-CN" altLang="en-US" dirty="0" smtClean="0"/>
-              <a:t>简单易学，不需要学习代码，不需要学代码也能实现交互效果</a:t>
-            </a:r>
-            <a:endParaRPr lang="en-US" altLang="zh-CN" dirty="0" smtClean="0"/>
-          </a:p>
-          <a:p>
-            <a:pPr marL="514350" indent="-514350">
-              <a:buFont typeface="+mj-lt"/>
-              <a:buAutoNum type="arabicPeriod"/>
-            </a:pPr>
+              <a:t>是美国</a:t>
+            </a:r>
+            <a:r>
+              <a:rPr lang="en-US" altLang="zh-CN" dirty="0" err="1" smtClean="0"/>
+              <a:t>Axure</a:t>
+            </a:r>
+            <a:r>
+              <a:rPr lang="en-US" altLang="zh-CN" dirty="0" smtClean="0"/>
+              <a:t> Software Solution</a:t>
+            </a:r>
             <a:r>
               <a:rPr lang="zh-CN" altLang="en-US" dirty="0" smtClean="0"/>
-              <a:t>可以直接输出页面，可以简单的查看效果</a:t>
-            </a:r>
-            <a:endParaRPr lang="en-US" altLang="zh-CN" dirty="0" smtClean="0"/>
-          </a:p>
-          <a:p>
-            <a:pPr marL="514350" indent="-514350">
-              <a:buFont typeface="+mj-lt"/>
-              <a:buAutoNum type="arabicPeriod"/>
-            </a:pPr>
+              <a:t>公司旗舰产品，是一个专业的快速原型设计工具，让负责定义需求和规格、设计功能和界面的专家能够快速创建应用软件或</a:t>
+            </a:r>
+            <a:r>
+              <a:rPr lang="en-US" altLang="zh-CN" dirty="0" smtClean="0"/>
+              <a:t>Web</a:t>
+            </a:r>
             <a:r>
               <a:rPr lang="zh-CN" altLang="en-US" dirty="0" smtClean="0"/>
-              <a:t>页面逻辑关系清晰，处理方便</a:t>
-            </a:r>
-            <a:endParaRPr lang="en-US" altLang="zh-CN" dirty="0" smtClean="0"/>
-          </a:p>
-          <a:p>
-            <a:pPr marL="514350" indent="-514350">
-              <a:buFont typeface="+mj-lt"/>
-              <a:buAutoNum type="arabicPeriod"/>
-            </a:pPr>
-            <a:endParaRPr lang="en-US" altLang="zh-CN" dirty="0" smtClean="0"/>
-          </a:p>
-          <a:p>
-            <a:pPr marL="514350" indent="-514350">
-              <a:buFont typeface="+mj-lt"/>
-              <a:buAutoNum type="arabicPeriod"/>
-            </a:pPr>
+              <a:t>网站的线框图、流程图、原型和规格说明文档。作为专业的原型设计工具，它能快速、高效的创建原型，同时支持多人协作设计和版本控制管理</a:t>
+            </a:r>
             <a:endParaRPr lang="zh-CN" altLang="en-US" dirty="0"/>
           </a:p>
         </p:txBody>
@@ -5051,6 +5429,400 @@
 </file>
 
 <file path=ppt/slides/slide5.xml><?xml version="1.0" encoding="utf-8"?>
+<p:sld xmlns:a="http://schemas.openxmlformats.org/drawingml/2006/main" xmlns:r="http://schemas.openxmlformats.org/officeDocument/2006/relationships" xmlns:p="http://schemas.openxmlformats.org/presentationml/2006/main">
+  <p:cSld>
+    <p:spTree>
+      <p:nvGrpSpPr>
+        <p:cNvPr id="1" name=""/>
+        <p:cNvGrpSpPr/>
+        <p:nvPr/>
+      </p:nvGrpSpPr>
+      <p:grpSpPr>
+        <a:xfrm>
+          <a:off x="0" y="0"/>
+          <a:ext cx="0" cy="0"/>
+          <a:chOff x="0" y="0"/>
+          <a:chExt cx="0" cy="0"/>
+        </a:xfrm>
+      </p:grpSpPr>
+      <p:sp>
+        <p:nvSpPr>
+          <p:cNvPr id="2" name="标题 1"/>
+          <p:cNvSpPr>
+            <a:spLocks noGrp="1"/>
+          </p:cNvSpPr>
+          <p:nvPr>
+            <p:ph type="title"/>
+          </p:nvPr>
+        </p:nvSpPr>
+        <p:spPr/>
+        <p:txBody>
+          <a:bodyPr>
+            <a:noAutofit/>
+          </a:bodyPr>
+          <a:lstStyle/>
+          <a:p>
+            <a:r>
+              <a:rPr lang="zh-CN" altLang="en-US" sz="3200" dirty="0" smtClean="0"/>
+              <a:t>问题：</a:t>
+            </a:r>
+            <a:r>
+              <a:rPr lang="en-US" altLang="zh-CN" sz="3200" dirty="0" smtClean="0"/>
+              <a:t> </a:t>
+            </a:r>
+            <a:r>
+              <a:rPr lang="en-US" altLang="zh-CN" sz="3200" dirty="0" err="1" smtClean="0"/>
+              <a:t>Axure</a:t>
+            </a:r>
+            <a:r>
+              <a:rPr lang="en-US" altLang="zh-CN" sz="3200" dirty="0" smtClean="0"/>
+              <a:t> RP</a:t>
+            </a:r>
+            <a:r>
+              <a:rPr lang="zh-CN" altLang="en-US" sz="3200" dirty="0" smtClean="0"/>
+              <a:t>的</a:t>
+            </a:r>
+            <a:r>
+              <a:rPr lang="en-US" altLang="zh-CN" sz="3200" dirty="0" smtClean="0"/>
+              <a:t>RP</a:t>
+            </a:r>
+            <a:r>
+              <a:rPr lang="zh-CN" altLang="en-US" sz="3200" dirty="0" smtClean="0"/>
+              <a:t>是什么意思？</a:t>
+            </a:r>
+            <a:r>
+              <a:rPr lang="en-US" altLang="zh-CN" sz="3200" dirty="0" smtClean="0"/>
+              <a:t/>
+            </a:r>
+            <a:br>
+              <a:rPr lang="en-US" altLang="zh-CN" sz="3200" dirty="0" smtClean="0"/>
+            </a:br>
+            <a:r>
+              <a:rPr lang="zh-CN" altLang="en-US" sz="3200" dirty="0" smtClean="0"/>
+              <a:t>英语全称是什么？</a:t>
+            </a:r>
+            <a:endParaRPr lang="zh-CN" altLang="en-US" sz="3200" dirty="0"/>
+          </a:p>
+        </p:txBody>
+      </p:sp>
+      <p:sp>
+        <p:nvSpPr>
+          <p:cNvPr id="3" name="内容占位符 2"/>
+          <p:cNvSpPr>
+            <a:spLocks noGrp="1"/>
+          </p:cNvSpPr>
+          <p:nvPr>
+            <p:ph idx="1"/>
+          </p:nvPr>
+        </p:nvSpPr>
+        <p:spPr/>
+        <p:txBody>
+          <a:bodyPr/>
+          <a:lstStyle/>
+          <a:p>
+            <a:pPr>
+              <a:buNone/>
+            </a:pPr>
+            <a:r>
+              <a:rPr lang="zh-CN" altLang="en-US" dirty="0" smtClean="0"/>
+              <a:t>答：</a:t>
+            </a:r>
+            <a:r>
+              <a:rPr lang="en-US" altLang="zh-CN" dirty="0" smtClean="0"/>
+              <a:t>RP</a:t>
+            </a:r>
+            <a:r>
+              <a:rPr lang="zh-CN" altLang="en-US" dirty="0" smtClean="0"/>
+              <a:t>是快速原型的缩写</a:t>
+            </a:r>
+            <a:endParaRPr lang="en-US" altLang="zh-CN" dirty="0" smtClean="0"/>
+          </a:p>
+          <a:p>
+            <a:pPr>
+              <a:buNone/>
+            </a:pPr>
+            <a:r>
+              <a:rPr lang="zh-CN" altLang="en-US" dirty="0" smtClean="0"/>
+              <a:t>英语全称：</a:t>
+            </a:r>
+            <a:r>
+              <a:rPr lang="en-US" altLang="zh-CN" dirty="0" smtClean="0"/>
+              <a:t> Rapid Prototyping</a:t>
+            </a:r>
+            <a:endParaRPr lang="zh-CN" altLang="en-US" dirty="0"/>
+          </a:p>
+        </p:txBody>
+      </p:sp>
+    </p:spTree>
+  </p:cSld>
+  <p:clrMapOvr>
+    <a:masterClrMapping/>
+  </p:clrMapOvr>
+  <p:transition>
+    <p:fade thruBlk="1"/>
+  </p:transition>
+  <p:timing>
+    <p:tnLst>
+      <p:par>
+        <p:cTn id="1" dur="indefinite" restart="never" nodeType="tmRoot">
+          <p:childTnLst>
+            <p:seq concurrent="1" nextAc="seek">
+              <p:cTn id="2" dur="indefinite" nodeType="mainSeq">
+                <p:childTnLst>
+                  <p:par>
+                    <p:cTn id="3" fill="hold">
+                      <p:stCondLst>
+                        <p:cond delay="indefinite"/>
+                      </p:stCondLst>
+                      <p:childTnLst>
+                        <p:par>
+                          <p:cTn id="4" fill="hold">
+                            <p:stCondLst>
+                              <p:cond delay="0"/>
+                            </p:stCondLst>
+                            <p:childTnLst>
+                              <p:par>
+                                <p:cTn id="5" presetID="1" presetClass="entr" presetSubtype="0" fill="hold" grpId="0" nodeType="clickEffect">
+                                  <p:stCondLst>
+                                    <p:cond delay="0"/>
+                                  </p:stCondLst>
+                                  <p:childTnLst>
+                                    <p:set>
+                                      <p:cBhvr>
+                                        <p:cTn id="6" dur="1" fill="hold">
+                                          <p:stCondLst>
+                                            <p:cond delay="0"/>
+                                          </p:stCondLst>
+                                        </p:cTn>
+                                        <p:tgtEl>
+                                          <p:spTgt spid="3">
+                                            <p:txEl>
+                                              <p:pRg st="0" end="0"/>
+                                            </p:txEl>
+                                          </p:spTgt>
+                                        </p:tgtEl>
+                                        <p:attrNameLst>
+                                          <p:attrName>style.visibility</p:attrName>
+                                        </p:attrNameLst>
+                                      </p:cBhvr>
+                                      <p:to>
+                                        <p:strVal val="visible"/>
+                                      </p:to>
+                                    </p:set>
+                                  </p:childTnLst>
+                                </p:cTn>
+                              </p:par>
+                            </p:childTnLst>
+                          </p:cTn>
+                        </p:par>
+                      </p:childTnLst>
+                    </p:cTn>
+                  </p:par>
+                  <p:par>
+                    <p:cTn id="7" fill="hold">
+                      <p:stCondLst>
+                        <p:cond delay="indefinite"/>
+                      </p:stCondLst>
+                      <p:childTnLst>
+                        <p:par>
+                          <p:cTn id="8" fill="hold">
+                            <p:stCondLst>
+                              <p:cond delay="0"/>
+                            </p:stCondLst>
+                            <p:childTnLst>
+                              <p:par>
+                                <p:cTn id="9" presetID="1" presetClass="entr" presetSubtype="0" fill="hold" grpId="0" nodeType="clickEffect">
+                                  <p:stCondLst>
+                                    <p:cond delay="0"/>
+                                  </p:stCondLst>
+                                  <p:childTnLst>
+                                    <p:set>
+                                      <p:cBhvr>
+                                        <p:cTn id="10" dur="1" fill="hold">
+                                          <p:stCondLst>
+                                            <p:cond delay="0"/>
+                                          </p:stCondLst>
+                                        </p:cTn>
+                                        <p:tgtEl>
+                                          <p:spTgt spid="3">
+                                            <p:txEl>
+                                              <p:pRg st="1" end="1"/>
+                                            </p:txEl>
+                                          </p:spTgt>
+                                        </p:tgtEl>
+                                        <p:attrNameLst>
+                                          <p:attrName>style.visibility</p:attrName>
+                                        </p:attrNameLst>
+                                      </p:cBhvr>
+                                      <p:to>
+                                        <p:strVal val="visible"/>
+                                      </p:to>
+                                    </p:set>
+                                  </p:childTnLst>
+                                </p:cTn>
+                              </p:par>
+                            </p:childTnLst>
+                          </p:cTn>
+                        </p:par>
+                      </p:childTnLst>
+                    </p:cTn>
+                  </p:par>
+                </p:childTnLst>
+              </p:cTn>
+              <p:prevCondLst>
+                <p:cond evt="onPrev" delay="0">
+                  <p:tgtEl>
+                    <p:sldTgt/>
+                  </p:tgtEl>
+                </p:cond>
+              </p:prevCondLst>
+              <p:nextCondLst>
+                <p:cond evt="onNext" delay="0">
+                  <p:tgtEl>
+                    <p:sldTgt/>
+                  </p:tgtEl>
+                </p:cond>
+              </p:nextCondLst>
+            </p:seq>
+          </p:childTnLst>
+        </p:cTn>
+      </p:par>
+    </p:tnLst>
+    <p:bldLst>
+      <p:bldP spid="3" grpId="0" build="p"/>
+    </p:bldLst>
+  </p:timing>
+</p:sld>
+</file>
+
+<file path=ppt/slides/slide6.xml><?xml version="1.0" encoding="utf-8"?>
+<p:sld xmlns:a="http://schemas.openxmlformats.org/drawingml/2006/main" xmlns:r="http://schemas.openxmlformats.org/officeDocument/2006/relationships" xmlns:p="http://schemas.openxmlformats.org/presentationml/2006/main">
+  <p:cSld>
+    <p:spTree>
+      <p:nvGrpSpPr>
+        <p:cNvPr id="1" name=""/>
+        <p:cNvGrpSpPr/>
+        <p:nvPr/>
+      </p:nvGrpSpPr>
+      <p:grpSpPr>
+        <a:xfrm>
+          <a:off x="0" y="0"/>
+          <a:ext cx="0" cy="0"/>
+          <a:chOff x="0" y="0"/>
+          <a:chExt cx="0" cy="0"/>
+        </a:xfrm>
+      </p:grpSpPr>
+      <p:sp>
+        <p:nvSpPr>
+          <p:cNvPr id="2" name="标题 1"/>
+          <p:cNvSpPr>
+            <a:spLocks noGrp="1"/>
+          </p:cNvSpPr>
+          <p:nvPr>
+            <p:ph type="title"/>
+          </p:nvPr>
+        </p:nvSpPr>
+        <p:spPr/>
+        <p:txBody>
+          <a:bodyPr>
+            <a:normAutofit/>
+          </a:bodyPr>
+          <a:lstStyle/>
+          <a:p>
+            <a:r>
+              <a:rPr lang="en-US" altLang="zh-CN" dirty="0" smtClean="0"/>
+              <a:t>AxureRP8</a:t>
+            </a:r>
+            <a:r>
+              <a:rPr lang="zh-CN" altLang="en-US" dirty="0" smtClean="0"/>
+              <a:t>的好处</a:t>
+            </a:r>
+            <a:endParaRPr lang="zh-CN" altLang="en-US" dirty="0"/>
+          </a:p>
+        </p:txBody>
+      </p:sp>
+      <p:sp>
+        <p:nvSpPr>
+          <p:cNvPr id="3" name="内容占位符 2"/>
+          <p:cNvSpPr>
+            <a:spLocks noGrp="1"/>
+          </p:cNvSpPr>
+          <p:nvPr>
+            <p:ph idx="1"/>
+          </p:nvPr>
+        </p:nvSpPr>
+        <p:spPr/>
+        <p:txBody>
+          <a:bodyPr/>
+          <a:lstStyle/>
+          <a:p>
+            <a:pPr marL="514350" indent="-514350">
+              <a:buFont typeface="+mj-lt"/>
+              <a:buAutoNum type="arabicPeriod"/>
+            </a:pPr>
+            <a:r>
+              <a:rPr lang="zh-CN" altLang="en-US" dirty="0" smtClean="0"/>
+              <a:t>简单易学，不需要学习代码，不需要学代码也能实现交互效果</a:t>
+            </a:r>
+            <a:endParaRPr lang="en-US" altLang="zh-CN" dirty="0" smtClean="0"/>
+          </a:p>
+          <a:p>
+            <a:pPr marL="514350" indent="-514350">
+              <a:buFont typeface="+mj-lt"/>
+              <a:buAutoNum type="arabicPeriod"/>
+            </a:pPr>
+            <a:r>
+              <a:rPr lang="zh-CN" altLang="en-US" dirty="0" smtClean="0"/>
+              <a:t>可以直接输出页面，可以简单的查看效果</a:t>
+            </a:r>
+            <a:endParaRPr lang="en-US" altLang="zh-CN" dirty="0" smtClean="0"/>
+          </a:p>
+          <a:p>
+            <a:pPr marL="514350" indent="-514350">
+              <a:buFont typeface="+mj-lt"/>
+              <a:buAutoNum type="arabicPeriod"/>
+            </a:pPr>
+            <a:r>
+              <a:rPr lang="zh-CN" altLang="en-US" dirty="0" smtClean="0"/>
+              <a:t>页面逻辑关系清晰，处理方便</a:t>
+            </a:r>
+            <a:endParaRPr lang="en-US" altLang="zh-CN" dirty="0" smtClean="0"/>
+          </a:p>
+          <a:p>
+            <a:pPr marL="514350" indent="-514350">
+              <a:buFont typeface="+mj-lt"/>
+              <a:buAutoNum type="arabicPeriod"/>
+            </a:pPr>
+            <a:endParaRPr lang="en-US" altLang="zh-CN" dirty="0" smtClean="0"/>
+          </a:p>
+          <a:p>
+            <a:pPr marL="514350" indent="-514350">
+              <a:buFont typeface="+mj-lt"/>
+              <a:buAutoNum type="arabicPeriod"/>
+            </a:pPr>
+            <a:endParaRPr lang="zh-CN" altLang="en-US" dirty="0"/>
+          </a:p>
+        </p:txBody>
+      </p:sp>
+    </p:spTree>
+  </p:cSld>
+  <p:clrMapOvr>
+    <a:masterClrMapping/>
+  </p:clrMapOvr>
+  <p:transition>
+    <p:fade thruBlk="1"/>
+  </p:transition>
+  <p:timing>
+    <p:tnLst>
+      <p:par>
+        <p:cTn id="1" dur="indefinite" restart="never" nodeType="tmRoot"/>
+      </p:par>
+    </p:tnLst>
+  </p:timing>
+</p:sld>
+</file>
+
+<file path=ppt/slides/slide7.xml><?xml version="1.0" encoding="utf-8"?>
 <p:sld xmlns:a="http://schemas.openxmlformats.org/drawingml/2006/main" xmlns:r="http://schemas.openxmlformats.org/officeDocument/2006/relationships" xmlns:p="http://schemas.openxmlformats.org/presentationml/2006/main">
   <p:cSld>
     <p:spTree>
@@ -5144,248 +5916,6 @@
 </p:sld>
 </file>
 
-<file path=ppt/slides/slide6.xml><?xml version="1.0" encoding="utf-8"?>
-<p:sld xmlns:a="http://schemas.openxmlformats.org/drawingml/2006/main" xmlns:r="http://schemas.openxmlformats.org/officeDocument/2006/relationships" xmlns:p="http://schemas.openxmlformats.org/presentationml/2006/main">
-  <p:cSld>
-    <p:spTree>
-      <p:nvGrpSpPr>
-        <p:cNvPr id="1" name=""/>
-        <p:cNvGrpSpPr/>
-        <p:nvPr/>
-      </p:nvGrpSpPr>
-      <p:grpSpPr>
-        <a:xfrm>
-          <a:off x="0" y="0"/>
-          <a:ext cx="0" cy="0"/>
-          <a:chOff x="0" y="0"/>
-          <a:chExt cx="0" cy="0"/>
-        </a:xfrm>
-      </p:grpSpPr>
-      <p:sp>
-        <p:nvSpPr>
-          <p:cNvPr id="2" name="标题 1"/>
-          <p:cNvSpPr>
-            <a:spLocks noGrp="1"/>
-          </p:cNvSpPr>
-          <p:nvPr>
-            <p:ph type="title"/>
-          </p:nvPr>
-        </p:nvSpPr>
-        <p:spPr/>
-        <p:txBody>
-          <a:bodyPr/>
-          <a:lstStyle/>
-          <a:p>
-            <a:r>
-              <a:rPr lang="en-US" altLang="zh-CN" dirty="0" smtClean="0"/>
-              <a:t>AxureRP8</a:t>
-            </a:r>
-            <a:r>
-              <a:rPr lang="zh-CN" altLang="en-US" dirty="0" smtClean="0"/>
-              <a:t>界面</a:t>
-            </a:r>
-            <a:endParaRPr lang="zh-CN" altLang="en-US" dirty="0"/>
-          </a:p>
-        </p:txBody>
-      </p:sp>
-      <p:sp>
-        <p:nvSpPr>
-          <p:cNvPr id="3" name="内容占位符 2"/>
-          <p:cNvSpPr>
-            <a:spLocks noGrp="1"/>
-          </p:cNvSpPr>
-          <p:nvPr>
-            <p:ph idx="1"/>
-          </p:nvPr>
-        </p:nvSpPr>
-        <p:spPr/>
-        <p:txBody>
-          <a:bodyPr/>
-          <a:lstStyle/>
-          <a:p>
-            <a:pPr marL="514350" indent="-514350">
-              <a:buFont typeface="+mj-lt"/>
-              <a:buAutoNum type="arabicPeriod"/>
-            </a:pPr>
-            <a:r>
-              <a:rPr lang="zh-CN" altLang="en-US" dirty="0" smtClean="0"/>
-              <a:t>菜单栏</a:t>
-            </a:r>
-            <a:endParaRPr lang="en-US" altLang="zh-CN" dirty="0" smtClean="0"/>
-          </a:p>
-          <a:p>
-            <a:pPr marL="514350" indent="-514350">
-              <a:buFont typeface="+mj-lt"/>
-              <a:buAutoNum type="arabicPeriod"/>
-            </a:pPr>
-            <a:r>
-              <a:rPr lang="zh-CN" altLang="en-US" dirty="0" smtClean="0"/>
-              <a:t>工具按钮栏</a:t>
-            </a:r>
-            <a:endParaRPr lang="en-US" altLang="zh-CN" dirty="0" smtClean="0"/>
-          </a:p>
-          <a:p>
-            <a:pPr marL="514350" indent="-514350">
-              <a:buFont typeface="+mj-lt"/>
-              <a:buAutoNum type="arabicPeriod"/>
-            </a:pPr>
-            <a:r>
-              <a:rPr lang="zh-CN" altLang="en-US" dirty="0" smtClean="0"/>
-              <a:t>页面</a:t>
-            </a:r>
-            <a:endParaRPr lang="en-US" altLang="zh-CN" dirty="0" smtClean="0"/>
-          </a:p>
-          <a:p>
-            <a:pPr marL="514350" indent="-514350">
-              <a:buNone/>
-            </a:pPr>
-            <a:r>
-              <a:rPr lang="en-US" altLang="zh-CN" dirty="0" smtClean="0"/>
-              <a:t>	</a:t>
-            </a:r>
-            <a:r>
-              <a:rPr lang="zh-CN" altLang="en-US" dirty="0" smtClean="0"/>
-              <a:t>此栏显示你设计的页面及页面之间的树状关系，页面的上下文菜单可以删除页面，改名等。</a:t>
-            </a:r>
-            <a:endParaRPr lang="en-US" altLang="zh-CN" dirty="0" smtClean="0"/>
-          </a:p>
-          <a:p>
-            <a:pPr>
-              <a:buNone/>
-            </a:pPr>
-            <a:endParaRPr lang="zh-CN" altLang="en-US" dirty="0"/>
-          </a:p>
-        </p:txBody>
-      </p:sp>
-    </p:spTree>
-  </p:cSld>
-  <p:clrMapOvr>
-    <a:masterClrMapping/>
-  </p:clrMapOvr>
-  <p:transition>
-    <p:fade thruBlk="1"/>
-  </p:transition>
-  <p:timing>
-    <p:tnLst>
-      <p:par>
-        <p:cTn id="1" dur="indefinite" restart="never" nodeType="tmRoot"/>
-      </p:par>
-    </p:tnLst>
-  </p:timing>
-</p:sld>
-</file>
-
-<file path=ppt/slides/slide7.xml><?xml version="1.0" encoding="utf-8"?>
-<p:sld xmlns:a="http://schemas.openxmlformats.org/drawingml/2006/main" xmlns:r="http://schemas.openxmlformats.org/officeDocument/2006/relationships" xmlns:p="http://schemas.openxmlformats.org/presentationml/2006/main">
-  <p:cSld>
-    <p:spTree>
-      <p:nvGrpSpPr>
-        <p:cNvPr id="1" name=""/>
-        <p:cNvGrpSpPr/>
-        <p:nvPr/>
-      </p:nvGrpSpPr>
-      <p:grpSpPr>
-        <a:xfrm>
-          <a:off x="0" y="0"/>
-          <a:ext cx="0" cy="0"/>
-          <a:chOff x="0" y="0"/>
-          <a:chExt cx="0" cy="0"/>
-        </a:xfrm>
-      </p:grpSpPr>
-      <p:sp>
-        <p:nvSpPr>
-          <p:cNvPr id="2" name="标题 1"/>
-          <p:cNvSpPr>
-            <a:spLocks noGrp="1"/>
-          </p:cNvSpPr>
-          <p:nvPr>
-            <p:ph type="title"/>
-          </p:nvPr>
-        </p:nvSpPr>
-        <p:spPr/>
-        <p:txBody>
-          <a:bodyPr/>
-          <a:lstStyle/>
-          <a:p>
-            <a:r>
-              <a:rPr lang="en-US" altLang="zh-CN" dirty="0" smtClean="0"/>
-              <a:t>AxureRP8</a:t>
-            </a:r>
-            <a:r>
-              <a:rPr lang="zh-CN" altLang="en-US" dirty="0" smtClean="0"/>
-              <a:t>界面</a:t>
-            </a:r>
-            <a:endParaRPr lang="zh-CN" altLang="en-US" dirty="0"/>
-          </a:p>
-        </p:txBody>
-      </p:sp>
-      <p:sp>
-        <p:nvSpPr>
-          <p:cNvPr id="3" name="内容占位符 2"/>
-          <p:cNvSpPr>
-            <a:spLocks noGrp="1"/>
-          </p:cNvSpPr>
-          <p:nvPr>
-            <p:ph idx="1"/>
-          </p:nvPr>
-        </p:nvSpPr>
-        <p:spPr/>
-        <p:txBody>
-          <a:bodyPr/>
-          <a:lstStyle/>
-          <a:p>
-            <a:pPr marL="514350" indent="-514350">
-              <a:buFont typeface="+mj-lt"/>
-              <a:buAutoNum type="arabicPeriod" startAt="4"/>
-            </a:pPr>
-            <a:r>
-              <a:rPr lang="zh-CN" altLang="en-US" dirty="0" smtClean="0"/>
-              <a:t>页面工作区：页面设计区，可以打开多个页面，点击页面标签，右键上下文菜单包括了打开关闭页面的操作。双击页面地图栏的页面，工作区打开该页面。</a:t>
-            </a:r>
-            <a:endParaRPr lang="en-US" altLang="zh-CN" dirty="0" smtClean="0"/>
-          </a:p>
-          <a:p>
-            <a:pPr marL="514350" indent="-514350">
-              <a:buFont typeface="+mj-lt"/>
-              <a:buAutoNum type="arabicPeriod" startAt="4"/>
-            </a:pPr>
-            <a:r>
-              <a:rPr lang="zh-CN" altLang="en-US" dirty="0" smtClean="0"/>
-              <a:t>页面属性栏：输入页面注释，设置页面事件，页面属性。</a:t>
-            </a:r>
-            <a:endParaRPr lang="en-US" altLang="zh-CN" dirty="0" smtClean="0"/>
-          </a:p>
-          <a:p>
-            <a:pPr marL="514350" indent="-514350">
-              <a:buFont typeface="+mj-lt"/>
-              <a:buAutoNum type="arabicPeriod" startAt="4"/>
-            </a:pPr>
-            <a:r>
-              <a:rPr lang="zh-CN" altLang="en-US" dirty="0" smtClean="0"/>
-              <a:t>元件库：构成页面的元素，各种控件，拖动到页面上需要的位置。</a:t>
-            </a:r>
-            <a:endParaRPr lang="zh-CN" altLang="en-US" dirty="0"/>
-          </a:p>
-        </p:txBody>
-      </p:sp>
-    </p:spTree>
-  </p:cSld>
-  <p:clrMapOvr>
-    <a:masterClrMapping/>
-  </p:clrMapOvr>
-  <p:transition>
-    <p:fade thruBlk="1"/>
-  </p:transition>
-  <p:timing>
-    <p:tnLst>
-      <p:par>
-        <p:cTn id="1" dur="indefinite" restart="never" nodeType="tmRoot"/>
-      </p:par>
-    </p:tnLst>
-  </p:timing>
-</p:sld>
-</file>
-
 <file path=ppt/slides/slide8.xml><?xml version="1.0" encoding="utf-8"?>
 <p:sld xmlns:a="http://schemas.openxmlformats.org/drawingml/2006/main" xmlns:r="http://schemas.openxmlformats.org/officeDocument/2006/relationships" xmlns:p="http://schemas.openxmlformats.org/presentationml/2006/main">
   <p:cSld>
@@ -5447,61 +5977,53 @@
           <a:p>
             <a:pPr marL="514350" indent="-514350">
               <a:buFont typeface="+mj-lt"/>
-              <a:buAutoNum type="arabicPeriod" startAt="7"/>
+              <a:buAutoNum type="arabicPeriod"/>
             </a:pPr>
             <a:r>
               <a:rPr lang="zh-CN" altLang="en-US" dirty="0" smtClean="0"/>
-              <a:t>控件属性栏：每个控件的属性设置栏</a:t>
-            </a:r>
-            <a:r>
-              <a:rPr lang="en-US" altLang="zh-CN" dirty="0" smtClean="0"/>
-              <a:t>,</a:t>
-            </a:r>
-            <a:r>
-              <a:rPr lang="zh-CN" altLang="en-US" dirty="0" smtClean="0"/>
-              <a:t>包括三项：</a:t>
-            </a:r>
-            <a:r>
-              <a:rPr lang="en-US" altLang="zh-CN" dirty="0" smtClean="0"/>
-              <a:t>A:</a:t>
-            </a:r>
-            <a:r>
-              <a:rPr lang="zh-CN" altLang="en-US" dirty="0" smtClean="0"/>
-              <a:t>控件说明</a:t>
-            </a:r>
-            <a:r>
-              <a:rPr lang="en-US" altLang="zh-CN" dirty="0" smtClean="0"/>
-              <a:t>B: </a:t>
-            </a:r>
-            <a:r>
-              <a:rPr lang="zh-CN" altLang="en-US" dirty="0" smtClean="0"/>
-              <a:t>事件设置 </a:t>
-            </a:r>
-            <a:r>
-              <a:rPr lang="en-US" altLang="zh-CN" dirty="0" smtClean="0"/>
-              <a:t>C</a:t>
-            </a:r>
-            <a:r>
-              <a:rPr lang="zh-CN" altLang="en-US" dirty="0" smtClean="0"/>
-              <a:t>控件属性：包括位置、字体、对齐、分组。</a:t>
+              <a:t>菜单栏</a:t>
             </a:r>
             <a:endParaRPr lang="en-US" altLang="zh-CN" dirty="0" smtClean="0"/>
           </a:p>
           <a:p>
             <a:pPr marL="514350" indent="-514350">
               <a:buFont typeface="+mj-lt"/>
-              <a:buAutoNum type="arabicPeriod" startAt="7"/>
+              <a:buAutoNum type="arabicPeriod"/>
             </a:pPr>
             <a:r>
               <a:rPr lang="zh-CN" altLang="en-US" dirty="0" smtClean="0"/>
-              <a:t>母板栏：在整个系统界面的设计中，有一些内容可能会在多个页面中重复出现，这时我们就可以把页面做成模版使用</a:t>
+              <a:t>工具按钮栏</a:t>
             </a:r>
             <a:endParaRPr lang="en-US" altLang="zh-CN" dirty="0" smtClean="0"/>
           </a:p>
           <a:p>
             <a:pPr marL="514350" indent="-514350">
               <a:buFont typeface="+mj-lt"/>
-              <a:buAutoNum type="arabicPeriod" startAt="7"/>
+              <a:buAutoNum type="arabicPeriod"/>
+            </a:pPr>
+            <a:r>
+              <a:rPr lang="zh-CN" altLang="en-US" dirty="0" smtClean="0"/>
+              <a:t>页面</a:t>
+            </a:r>
+            <a:endParaRPr lang="en-US" altLang="zh-CN" dirty="0" smtClean="0"/>
+          </a:p>
+          <a:p>
+            <a:pPr marL="514350" indent="-514350">
+              <a:buNone/>
+            </a:pPr>
+            <a:r>
+              <a:rPr lang="en-US" altLang="zh-CN" dirty="0" smtClean="0"/>
+              <a:t>	</a:t>
+            </a:r>
+            <a:r>
+              <a:rPr lang="zh-CN" altLang="en-US" dirty="0" smtClean="0"/>
+              <a:t>此栏显示你设计的页面及页面之间的树状关系，页面的上下文菜单可以删除页面，改名等。</a:t>
+            </a:r>
+            <a:endParaRPr lang="en-US" altLang="zh-CN" dirty="0" smtClean="0"/>
+          </a:p>
+          <a:p>
+            <a:pPr>
+              <a:buNone/>
             </a:pPr>
             <a:endParaRPr lang="zh-CN" altLang="en-US" dirty="0"/>
           </a:p>
@@ -5563,44 +6085,61 @@
             </a:r>
             <a:r>
               <a:rPr lang="zh-CN" altLang="en-US" dirty="0" smtClean="0"/>
-              <a:t>简易使用</a:t>
+              <a:t>界面</a:t>
             </a:r>
             <a:endParaRPr lang="zh-CN" altLang="en-US" dirty="0"/>
           </a:p>
         </p:txBody>
       </p:sp>
-      <p:pic>
-        <p:nvPicPr>
-          <p:cNvPr id="17412" name="Picture 4"/>
-          <p:cNvPicPr>
-            <a:picLocks noChangeAspect="1" noChangeArrowheads="1"/>
-          </p:cNvPicPr>
-          <p:nvPr/>
-        </p:nvPicPr>
-        <p:blipFill>
-          <a:blip r:embed="rId2" cstate="print"/>
-          <a:srcRect/>
-          <a:stretch>
-            <a:fillRect/>
-          </a:stretch>
-        </p:blipFill>
-        <p:spPr bwMode="auto">
-          <a:xfrm>
-            <a:off x="467544" y="1340768"/>
-            <a:ext cx="8174205" cy="4320480"/>
-          </a:xfrm>
-          <a:prstGeom prst="rect">
-            <a:avLst/>
-          </a:prstGeom>
-          <a:noFill/>
-          <a:ln w="9525">
-            <a:noFill/>
-            <a:miter lim="800000"/>
-            <a:headEnd/>
-            <a:tailEnd/>
-          </a:ln>
-        </p:spPr>
-      </p:pic>
+      <p:sp>
+        <p:nvSpPr>
+          <p:cNvPr id="3" name="内容占位符 2"/>
+          <p:cNvSpPr>
+            <a:spLocks noGrp="1"/>
+          </p:cNvSpPr>
+          <p:nvPr>
+            <p:ph idx="1"/>
+          </p:nvPr>
+        </p:nvSpPr>
+        <p:spPr/>
+        <p:txBody>
+          <a:bodyPr/>
+          <a:lstStyle/>
+          <a:p>
+            <a:pPr marL="514350" indent="-514350">
+              <a:buFont typeface="+mj-lt"/>
+              <a:buAutoNum type="arabicPeriod" startAt="4"/>
+            </a:pPr>
+            <a:r>
+              <a:rPr lang="zh-CN" altLang="en-US" dirty="0" smtClean="0"/>
+              <a:t>页面工作区：页面设计区，可以打开多个页面，点击页面标签，右键上下文菜单包括了打开关闭页面的操作。双击页面地图栏的页面，工作区打开该页面。</a:t>
+            </a:r>
+            <a:endParaRPr lang="en-US" altLang="zh-CN" dirty="0" smtClean="0"/>
+          </a:p>
+          <a:p>
+            <a:pPr marL="514350" indent="-514350">
+              <a:buFont typeface="+mj-lt"/>
+              <a:buAutoNum type="arabicPeriod" startAt="4"/>
+            </a:pPr>
+            <a:r>
+              <a:rPr lang="zh-CN" altLang="en-US" dirty="0" smtClean="0"/>
+              <a:t>页面属性栏：输入页面注释，设置页面事件，页面属性。</a:t>
+            </a:r>
+            <a:endParaRPr lang="en-US" altLang="zh-CN" dirty="0" smtClean="0"/>
+          </a:p>
+          <a:p>
+            <a:pPr marL="514350" indent="-514350">
+              <a:buFont typeface="+mj-lt"/>
+              <a:buAutoNum type="arabicPeriod" startAt="4"/>
+            </a:pPr>
+            <a:r>
+              <a:rPr lang="zh-CN" altLang="en-US" dirty="0" smtClean="0"/>
+              <a:t>元件库：构成页面的元素，各种控件，拖动到页面上需要的位置。</a:t>
+            </a:r>
+            <a:endParaRPr lang="zh-CN" altLang="en-US" dirty="0"/>
+          </a:p>
+        </p:txBody>
+      </p:sp>
     </p:spTree>
   </p:cSld>
   <p:clrMapOvr>
